--- a/Digital_Innovations_Rare_Conditions_Presentation 1.pptx
+++ b/Digital_Innovations_Rare_Conditions_Presentation 1.pptx
@@ -270,7 +270,7 @@
           </a:lstStyle>
           <a:p>
             <a:fld id="{DBDC5D3D-B7FA-4E49-B3DD-4906E938F7D4}" type="datetimeFigureOut">
-              <a:t>10/14/2025</a:t>
+              <a:t>10/20/2025</a:t>
             </a:fld>
             <a:endParaRPr lang="en-US"/>
           </a:p>
@@ -787,17 +787,31 @@
           <a:p>
             <a:r>
               <a:rPr lang="en-US" dirty="0"/>
-              <a:t>The landscape of rare conditions is defined by a fundamental paradox. While each of the 7,000-plus conditions is, by definition, rare, together they affect millions of people across the UK. For these individuals, the path to a diagnosis is often a long and frustrating journey, aptly termed the ‘diagnostic odyssey’. </a:t>
-            </a:r>
-          </a:p>
-          <a:p>
-            <a:r>
-              <a:rPr lang="en-US" dirty="0" err="1"/>
-              <a:t>Recognising</a:t>
-            </a:r>
+              <a:t>The landscape of rare conditions is defined by a fundamental paradox. </a:t>
+            </a:r>
+          </a:p>
+          <a:p>
             <a:r>
               <a:rPr lang="en-US" dirty="0"/>
-              <a:t> this, the UK Rare Diseases Framework has set clear national priorities: to speed up diagnosis, improve awareness among healthcare professionals, and better coordinate care. In this context, digital innovation isn't just an interesting development; it's positioned as the critical enabler to turn these strategic goals into a reality for patients.
+              <a:t>While each of the 7,000-plus conditions is, by definition, rare, together they affect millions of people across the UK. </a:t>
+            </a:r>
+          </a:p>
+          <a:p>
+            <a:r>
+              <a:rPr lang="en-US" dirty="0"/>
+              <a:t>For these individuals, the path to a diagnosis is often a long and frustrating journey, aptly termed the ‘diagnostic odyssey’, which can involve years of uncertainty and misdiagnosis before an answer is found.</a:t>
+            </a:r>
+          </a:p>
+          <a:p>
+            <a:r>
+              <a:rPr lang="en-US" dirty="0"/>
+              <a:t>Recognizing this, the UK Rare Diseases Framework has set clear national priorities: to speed up diagnosis, improve awareness among healthcare professionals, and better coordinate care. </a:t>
+            </a:r>
+          </a:p>
+          <a:p>
+            <a:r>
+              <a:rPr lang="en-US" dirty="0"/>
+              <a:t>In this context, digital innovation isn't just an interesting development; it's positioned as the critical enabler to turn these strategic goals into a reality for patients.
 </a:t>
             </a:r>
           </a:p>
@@ -884,7 +898,19 @@
           <a:p>
             <a:r>
               <a:rPr lang="en-US" dirty="0"/>
-              <a:t>The single greatest opportunity before us is a paradigm shift away from fragmented data towards integrated intelligence. For too long, a patient's story has been scattered across disconnected systems. Here in Northern Ireland, the rollout of the encompass </a:t>
+              <a:t>The single greatest opportunity before us is a paradigm shift away from fragmented data towards integrated intelligence.</a:t>
+            </a:r>
+          </a:p>
+          <a:p>
+            <a:r>
+              <a:rPr lang="en-US" dirty="0"/>
+              <a:t>For too long, a patient's story has been scattered across several disconnected systems. </a:t>
+            </a:r>
+          </a:p>
+          <a:p>
+            <a:r>
+              <a:rPr lang="en-US" dirty="0"/>
+              <a:t>Here in Northern Ireland, the rollout of the encompass </a:t>
             </a:r>
             <a:r>
               <a:rPr lang="en-US" dirty="0" err="1"/>
@@ -898,7 +924,13 @@
           <a:p>
             <a:r>
               <a:rPr lang="en-US" dirty="0"/>
-              <a:t>This provides a foundational clinical data backbone. But the true potential is unlocked when we integrate this clinical data with the rich multi-</a:t>
+              <a:t>This provides a foundational clinical data backbone. </a:t>
+            </a:r>
+          </a:p>
+          <a:p>
+            <a:r>
+              <a:rPr lang="en-US" dirty="0"/>
+              <a:t>But the true potential is unlocked when we integrate this clinical data with the rich multi-</a:t>
             </a:r>
             <a:r>
               <a:rPr lang="en-US" dirty="0" err="1"/>
@@ -912,7 +944,13 @@
           <a:p>
             <a:r>
               <a:rPr lang="en-US" dirty="0"/>
-              <a:t>This creates the blueprint for a true 'learning health system'—one that learns from every patient interaction to accelerate research and deliver more </a:t>
+              <a:t>This creates the blueprint for a true 'learning health system'—a dynamic feedback loop where insights from genomic sequencing can be linked to clinical outcomes in the electronic health record, allowing us to learn from every patient interaction. </a:t>
+            </a:r>
+          </a:p>
+          <a:p>
+            <a:r>
+              <a:rPr lang="en-US" dirty="0"/>
+              <a:t>A system that could identify which treatments work best for specific genetic profiles and flag individuals who may be eligible for new clinical trials, thereby accelerating both research and the delivery of </a:t>
             </a:r>
             <a:r>
               <a:rPr lang="en-US" dirty="0" err="1"/>
@@ -1007,13 +1045,21 @@
           <a:p>
             <a:r>
               <a:rPr lang="en-US" dirty="0"/>
-              <a:t>However, this technological promise is not self-fulfilling. Progress requires us to constantly balance three core, interconnected tensions. </a:t>
-            </a:r>
-          </a:p>
-          <a:p>
+              <a:t>However, this technological promise is not self-fulfilling. Its </a:t>
+            </a:r>
+            <a:r>
+              <a:rPr lang="en-US" dirty="0" err="1"/>
+              <a:t>realisation</a:t>
+            </a:r>
             <a:r>
               <a:rPr lang="en-US" dirty="0"/>
-              <a:t>First, the tension between the immense scale required by data-driven technologies and the profound specificity of an individual patient. </a:t>
+              <a:t> depends on navigating a three-part challenge. </a:t>
+            </a:r>
+          </a:p>
+          <a:p>
+            <a:r>
+              <a:rPr lang="en-US" dirty="0"/>
+              <a:t>First, the tension between the immense scale required by data-driven technologies and the specificity of an individual patient. </a:t>
             </a:r>
           </a:p>
           <a:p>
@@ -1025,7 +1071,13 @@
           <a:p>
             <a:r>
               <a:rPr lang="en-US" dirty="0"/>
-              <a:t>And third, the ethical tightrope we must walk between the scientific need for open collaboration and the non-negotiable need for patient confidentiality. These are not separate hurdles; they are interwoven facets of a single problem.
+              <a:t>And third, the ethical tightrope we must walk between the scientific need for open collaboration and the non-negotiable need for patient confidentiality. </a:t>
+            </a:r>
+          </a:p>
+          <a:p>
+            <a:r>
+              <a:rPr lang="en-US" dirty="0"/>
+              <a:t>These are not separate hurdles; they are interwoven facets of a single problem.
 </a:t>
             </a:r>
           </a:p>
@@ -1112,7 +1164,13 @@
           <a:p>
             <a:r>
               <a:rPr lang="en-US" dirty="0"/>
-              <a:t>The first challenge is technical. Technologies like machine learning thrive on 'big data', yet the world of rare disease is one of 'small data'—</a:t>
+              <a:t>The first challenge is technical. </a:t>
+            </a:r>
+          </a:p>
+          <a:p>
+            <a:r>
+              <a:rPr lang="en-US" dirty="0"/>
+              <a:t>Technologies like machine learning thrive on 'big data', yet the world of rare disease is one of 'small data'—</a:t>
             </a:r>
             <a:r>
               <a:rPr lang="en-US" dirty="0" err="1"/>
@@ -1120,13 +1178,49 @@
             </a:r>
             <a:r>
               <a:rPr lang="en-US" dirty="0"/>
-              <a:t> by limited patient numbers and significant heterogeneity. This makes traditional clinical trial models difficult and demands innovative analytical approaches. Furthermore, there's a fundamental interoperability gap. Genomic data is massive, complex, and probabilistic. Our electronic health records, by contrast, are built to handle structured, deterministic information like diagnoses and prescriptions. Forcing one into the other is a formidable challenge that current systems are ill-equipped for. </a:t>
+              <a:t> by limited patient numbers and significant heterogeneity. </a:t>
             </a:r>
           </a:p>
           <a:p>
             <a:r>
               <a:rPr lang="en-US" dirty="0"/>
-              <a:t>Crucially, even the most complete dataset often misses the most important information: the patient's lived experience, which is vital for creating solutions that are truly meaningful.
+              <a:t>This makes traditional clinical trial models difficult and demands innovative analytical approaches.</a:t>
+            </a:r>
+          </a:p>
+          <a:p>
+            <a:r>
+              <a:rPr lang="en-US" dirty="0"/>
+              <a:t>Furthermore, there's a fundamental interoperability gap. </a:t>
+            </a:r>
+          </a:p>
+          <a:p>
+            <a:r>
+              <a:rPr lang="en-US" dirty="0"/>
+              <a:t>For example, electronic health records have evolved from problem-oriented medical records and are designed to store structured, deterministic data—a specific diagnosis, a blood pressure reading, a prescribed medication. </a:t>
+            </a:r>
+          </a:p>
+          <a:p>
+            <a:r>
+              <a:rPr lang="en-US" dirty="0"/>
+              <a:t>Genomic data is fundamentally different. </a:t>
+            </a:r>
+          </a:p>
+          <a:p>
+            <a:r>
+              <a:rPr lang="en-US" dirty="0"/>
+              <a:t>It is immense in scale, highly complex, and inherently probabilistic—it speaks in terms of risk and predisposition, not certainty. </a:t>
+            </a:r>
+          </a:p>
+          <a:p>
+            <a:r>
+              <a:rPr lang="en-US" dirty="0"/>
+              <a:t>Forcing this vast, uncertain data into a deterministic framework is a formidable architectural challenge that current systems are simply not built to handle. </a:t>
+            </a:r>
+          </a:p>
+          <a:p>
+            <a:r>
+              <a:rPr lang="en-US" dirty="0"/>
+              <a:t>Crucially, even the most complete dataset often misses the most important information: the patient's lived experience, which is vital for creating solutions that are truly meaningful and reflect the day-to-day reality of their condition.
 </a:t>
             </a:r>
           </a:p>
@@ -1213,7 +1307,25 @@
           <a:p>
             <a:r>
               <a:rPr lang="en-US" dirty="0"/>
-              <a:t>The second challenge is socio-technical. A perfect algorithm is useless if it's not used. For patients, a 'digital divide' exists, created by barriers like low digital literacy or tools that aren't designed with their input. The solution here is a move towards community co-design, involving users from the very beginning. </a:t>
+              <a:t>The second challenge is socio-technical. A perfect algorithm is useless if it's not used. </a:t>
+            </a:r>
+          </a:p>
+          <a:p>
+            <a:r>
+              <a:rPr lang="en-US" dirty="0"/>
+              <a:t>For patients, a 'digital divide' exists, created by barriers like low digital literacy or tools that aren't designed with their input. </a:t>
+            </a:r>
+          </a:p>
+          <a:p>
+            <a:r>
+              <a:rPr lang="en-US" dirty="0"/>
+              <a:t>The solution here is a move towards community co-design, involving users from the very beginning. </a:t>
+            </a:r>
+          </a:p>
+          <a:p>
+            <a:r>
+              <a:rPr lang="en-US" dirty="0"/>
+              <a:t>This goes beyond simple usability testing to ensure that tools are not just easy to use, but also culturally relevant and trustworthy for the diverse communities they aim to serve.</a:t>
             </a:r>
           </a:p>
           <a:p>
@@ -1222,7 +1334,31 @@
           <a:p>
             <a:r>
               <a:rPr lang="en-US" dirty="0"/>
-              <a:t>For clinicians, the barriers are just as significant. They operate in high-pressure environments, and will resist tools that disrupt workflows or add to their administrative burden. Successful implementation is therefore a change management problem, not just a technology deployment problem. We must ask not only 'does it work?', but 'how does it fit into the work of the clinic and the life of the patient?'
+              <a:t>For clinicians, the barriers are just as significant. </a:t>
+            </a:r>
+          </a:p>
+          <a:p>
+            <a:r>
+              <a:rPr lang="en-US" dirty="0"/>
+              <a:t>They operate in high-pressure, time-constrained environments. </a:t>
+            </a:r>
+          </a:p>
+          <a:p>
+            <a:r>
+              <a:rPr lang="en-US" dirty="0"/>
+              <a:t>Their resistance is often not a simple reluctance to change, but a rational cost-benefit analysis where the perceived effort of learning and integrating a new system—one that might disrupt finely-tuned workflows or increase administrative burden—outweighs its perceived, and often unproven, clinical value. </a:t>
+            </a:r>
+          </a:p>
+          <a:p>
+            <a:r>
+              <a:rPr lang="en-US" dirty="0"/>
+              <a:t>Successful implementation is therefore a change management problem, not just a technology deployment problem. </a:t>
+            </a:r>
+          </a:p>
+          <a:p>
+            <a:r>
+              <a:rPr lang="en-US" dirty="0"/>
+              <a:t>We must ask not only 'does it work?', but 'how does it fit into the work of the clinic and the life of the patient?
 </a:t>
             </a:r>
           </a:p>
@@ -1309,7 +1445,25 @@
           <a:p>
             <a:r>
               <a:rPr lang="en-US" dirty="0"/>
-              <a:t>The final challenge is profoundly ethical. Progress in rare disease research is uniquely dependent on pooling data globally. Yet, the very data we need to share—a person's genome—is also uniquely identifiable. Unlike other medical data, it can never be truly </a:t>
+              <a:t>The final challenge is ethical. </a:t>
+            </a:r>
+          </a:p>
+          <a:p>
+            <a:r>
+              <a:rPr lang="en-US" dirty="0"/>
+              <a:t>Progress in rare disease research is dependent on pooling data globally. </a:t>
+            </a:r>
+          </a:p>
+          <a:p>
+            <a:r>
+              <a:rPr lang="en-US" dirty="0"/>
+              <a:t>Yet, the very data we need to share—a person's genome—is also uniquely identifiable. </a:t>
+            </a:r>
+          </a:p>
+          <a:p>
+            <a:r>
+              <a:rPr lang="en-US" dirty="0"/>
+              <a:t>Unlike other medical data, it can never be truly and irreversibly </a:t>
             </a:r>
             <a:r>
               <a:rPr lang="en-US" dirty="0" err="1"/>
@@ -1317,21 +1471,63 @@
             </a:r>
             <a:r>
               <a:rPr lang="en-US" dirty="0"/>
-              <a:t>, and it contains sensitive information about a patient's entire family, often without their consent. </a:t>
+              <a:t>. </a:t>
             </a:r>
           </a:p>
           <a:p>
             <a:r>
               <a:rPr lang="en-US" dirty="0"/>
-              <a:t>This creates a deep tension. The path forward lies in robust governance. This includes using Trusted Research Environments, where data is </a:t>
+              <a:t>This creates a profound ethical dilemma because genomic data is familial. </a:t>
+            </a:r>
+          </a:p>
+          <a:p>
+            <a:r>
+              <a:rPr lang="en-US" dirty="0"/>
+              <a:t>An individual's genome contains sensitive, predictive health information not only about them but also about their parents, their children, and even future descendants—none of whom have consented to this disclosure.   </a:t>
+            </a:r>
+          </a:p>
+          <a:p>
+            <a:r>
+              <a:rPr lang="en-US" dirty="0"/>
+              <a:t>"The path forward lies in robust governance. </a:t>
+            </a:r>
+          </a:p>
+          <a:p>
+            <a:r>
+              <a:rPr lang="en-US" dirty="0"/>
+              <a:t>This includes using Trusted Research Environments, where the data remains stationary and highly secure, and approved researchers are given access to </a:t>
             </a:r>
             <a:r>
               <a:rPr lang="en-US" dirty="0" err="1"/>
-              <a:t>analysed</a:t>
+              <a:t>analyse</a:t>
             </a:r>
             <a:r>
               <a:rPr lang="en-US" dirty="0"/>
-              <a:t> securely in one place without being moved. It also means evolving our model of consent from a one-time event to a dynamic, ongoing process, empowering patients as active partners in research. Ultimately, earning and maintaining public trust is the bedrock of all future progress.
+              <a:t> it.</a:t>
+            </a:r>
+          </a:p>
+          <a:p>
+            <a:r>
+              <a:rPr lang="en-US" dirty="0"/>
+              <a:t>This model fundamentally changes the paradigm from 'data sharing' to 'data access’. </a:t>
+            </a:r>
+          </a:p>
+          <a:p>
+            <a:r>
+              <a:rPr lang="en-US" dirty="0"/>
+              <a:t>It must also be coupled with an evolution towards dynamic consent, treating it as an ongoing process, not a one-time event, thereby empowering patients as active partners in research. </a:t>
+            </a:r>
+          </a:p>
+          <a:p>
+            <a:r>
+              <a:rPr lang="en-US" dirty="0"/>
+              <a:t>Ultimately, earning and maintaining public trust is the bedrock of all future progress.</a:t>
+            </a:r>
+          </a:p>
+          <a:p>
+            <a:r>
+              <a:rPr lang="en-US" dirty="0"/>
+              <a:t>
 </a:t>
             </a:r>
           </a:p>
@@ -1430,13 +1626,41 @@
           <a:p>
             <a:r>
               <a:rPr lang="en-US" dirty="0"/>
-              <a:t>A prospective PhD project, such as the one on offer here, is perfectly positioned to make a significant contribution by tackling a critical piece of this complex puzzle. For instance, focusing on how we can develop and validate a framework for co-designing digital tools that effectively capture and integrate the patient's lived experience, thereby bridging that critical gap between algorithmic potential and clinical reality. </a:t>
+              <a:t>A prospective PhD project, such as the one on offer here, is perfectly positioned to make a significant contribution by tackling a critical piece of this complex puzzle. </a:t>
             </a:r>
           </a:p>
           <a:p>
             <a:r>
               <a:rPr lang="en-US" dirty="0"/>
-              <a:t>By addressing these fundamental challenges, we can help translate the immense promise of digital innovation into tangible, equitable, and lasting benefits for the entire rare disease community.
+              <a:t>For instance, by focusing on developing and validating a framework for co-designing digital tools that effectively capture and integrate the patient's experience, </a:t>
+            </a:r>
+          </a:p>
+          <a:p>
+            <a:r>
+              <a:rPr lang="en-US" dirty="0"/>
+              <a:t>a project can directly address the critical gap between algorithmic potential and clinical reality, ensuring that the solutions we build are not just technically elegant, but human-</a:t>
+            </a:r>
+            <a:r>
+              <a:rPr lang="en-US" dirty="0" err="1"/>
+              <a:t>centred</a:t>
+            </a:r>
+            <a:r>
+              <a:rPr lang="en-US" dirty="0"/>
+              <a:t> and truly impactful.</a:t>
+            </a:r>
+          </a:p>
+          <a:p>
+            <a:r>
+              <a:rPr lang="en-US" dirty="0"/>
+              <a:t>By addressing these fundamental challenges, we can help translate the immense promise of digital innovation into tangible, and </a:t>
+            </a:r>
+            <a:r>
+              <a:rPr lang="en-US"/>
+              <a:t>lasting benefits.</a:t>
+            </a:r>
+            <a:r>
+              <a:rPr lang="en-US" dirty="0"/>
+              <a:t>
 </a:t>
             </a:r>
           </a:p>
@@ -2138,7 +2362,7 @@
           <a:p>
             <a:fld id="{8AF2F4EA-388B-424B-AC17-965C10DAF675}" type="datetime2">
               <a:rPr lang="en-US" smtClean="0"/>
-              <a:t>Tuesday, October 14, 2025</a:t>
+              <a:t>Monday, October 20, 2025</a:t>
             </a:fld>
             <a:endParaRPr lang="en-US"/>
           </a:p>
@@ -2759,7 +2983,7 @@
           <a:p>
             <a:fld id="{A5F6D2C8-34B4-4D49-8BA1-BACB1E5E91D7}" type="datetime2">
               <a:rPr lang="en-US" smtClean="0"/>
-              <a:t>Tuesday, October 14, 2025</a:t>
+              <a:t>Monday, October 20, 2025</a:t>
             </a:fld>
             <a:endParaRPr lang="en-US"/>
           </a:p>
@@ -3309,7 +3533,7 @@
           <a:p>
             <a:fld id="{07FA98E2-6F7F-4A51-8E1F-EB59A50F0269}" type="datetime2">
               <a:rPr lang="en-US" smtClean="0"/>
-              <a:t>Tuesday, October 14, 2025</a:t>
+              <a:t>Monday, October 20, 2025</a:t>
             </a:fld>
             <a:endParaRPr lang="en-US"/>
           </a:p>
@@ -3758,7 +3982,7 @@
           <a:p>
             <a:fld id="{150BB71E-4F8F-41C0-A92F-F3C4EFE8AC7B}" type="datetime2">
               <a:rPr lang="en-US" smtClean="0"/>
-              <a:t>Tuesday, October 14, 2025</a:t>
+              <a:t>Monday, October 20, 2025</a:t>
             </a:fld>
             <a:endParaRPr lang="en-US"/>
           </a:p>
@@ -4001,7 +4225,7 @@
           <a:p>
             <a:fld id="{38963436-5FD3-4DBA-BA14-7BB2834C5EC5}" type="datetime2">
               <a:rPr lang="en-US" smtClean="0"/>
-              <a:t>Tuesday, October 14, 2025</a:t>
+              <a:t>Monday, October 20, 2025</a:t>
             </a:fld>
             <a:endParaRPr lang="en-US"/>
           </a:p>
@@ -4239,7 +4463,7 @@
           <a:p>
             <a:fld id="{F2DB3D6C-C357-4A18-98FF-C5DAE1A10B46}" type="datetime2">
               <a:rPr lang="en-US" smtClean="0"/>
-              <a:t>Tuesday, October 14, 2025</a:t>
+              <a:t>Monday, October 20, 2025</a:t>
             </a:fld>
             <a:endParaRPr lang="en-US"/>
           </a:p>
@@ -4477,7 +4701,7 @@
           <a:p>
             <a:fld id="{76848E0B-8A0C-48E4-ADBA-2AC6A8CE7CBF}" type="datetime2">
               <a:rPr lang="en-US" smtClean="0"/>
-              <a:t>Tuesday, October 14, 2025</a:t>
+              <a:t>Monday, October 20, 2025</a:t>
             </a:fld>
             <a:endParaRPr lang="en-US"/>
           </a:p>
@@ -4715,7 +4939,7 @@
           <a:p>
             <a:fld id="{2CBDCCA7-F1A7-4374-A53E-DDBF6669B4DA}" type="datetime2">
               <a:rPr lang="en-US" smtClean="0"/>
-              <a:t>Tuesday, October 14, 2025</a:t>
+              <a:t>Monday, October 20, 2025</a:t>
             </a:fld>
             <a:endParaRPr lang="en-US"/>
           </a:p>
@@ -4969,7 +5193,7 @@
           <a:p>
             <a:fld id="{7A4E53C8-4441-4494-9A33-9A60A8C010FF}" type="datetime2">
               <a:rPr lang="en-US" smtClean="0"/>
-              <a:t>Tuesday, October 14, 2025</a:t>
+              <a:t>Monday, October 20, 2025</a:t>
             </a:fld>
             <a:endParaRPr lang="en-US"/>
           </a:p>
@@ -5417,7 +5641,7 @@
           <a:p>
             <a:fld id="{7C27853E-A83C-4AE4-BB8D-D1C2F70D8524}" type="datetime2">
               <a:rPr lang="en-US" smtClean="0"/>
-              <a:t>Tuesday, October 14, 2025</a:t>
+              <a:t>Monday, October 20, 2025</a:t>
             </a:fld>
             <a:endParaRPr lang="en-US"/>
           </a:p>
@@ -5826,7 +6050,7 @@
           <a:p>
             <a:fld id="{92BDBDAA-674F-41A5-9B7A-63B7C6B4BF31}" type="datetime2">
               <a:rPr lang="en-US" smtClean="0"/>
-              <a:t>Tuesday, October 14, 2025</a:t>
+              <a:t>Monday, October 20, 2025</a:t>
             </a:fld>
             <a:endParaRPr lang="en-US"/>
           </a:p>
@@ -6049,7 +6273,7 @@
           <a:p>
             <a:fld id="{8E7ACF9F-8FDB-4ADC-A9FD-4B179047B36A}" type="datetime2">
               <a:rPr lang="en-US" smtClean="0"/>
-              <a:t>Tuesday, October 14, 2025</a:t>
+              <a:t>Monday, October 20, 2025</a:t>
             </a:fld>
             <a:endParaRPr lang="en-US"/>
           </a:p>
@@ -6449,7 +6673,7 @@
           <a:p>
             <a:fld id="{15508136-2BE5-4DEB-BFFF-CA82AE75DA81}" type="datetime2">
               <a:rPr lang="en-US" smtClean="0"/>
-              <a:t>Tuesday, October 14, 2025</a:t>
+              <a:t>Monday, October 20, 2025</a:t>
             </a:fld>
             <a:endParaRPr lang="en-US"/>
           </a:p>
@@ -6849,7 +7073,7 @@
           <a:p>
             <a:fld id="{38CA907A-57F4-4BE4-B9CF-66B2A48FC3D2}" type="datetime2">
               <a:rPr lang="en-US" smtClean="0"/>
-              <a:t>Tuesday, October 14, 2025</a:t>
+              <a:t>Monday, October 20, 2025</a:t>
             </a:fld>
             <a:endParaRPr lang="en-US"/>
           </a:p>
@@ -7264,7 +7488,7 @@
           <a:p>
             <a:fld id="{F8C0C47F-6992-403B-A8BD-DAD08522434F}" type="datetime2">
               <a:rPr lang="en-US" smtClean="0"/>
-              <a:t>Tuesday, October 14, 2025</a:t>
+              <a:t>Monday, October 20, 2025</a:t>
             </a:fld>
             <a:endParaRPr lang="en-US" dirty="0"/>
           </a:p>
@@ -7656,7 +7880,7 @@
           <a:p>
             <a:fld id="{4EE2BF70-051F-4182-B873-1FBEE890188B}" type="datetime2">
               <a:rPr lang="en-US" smtClean="0"/>
-              <a:t>Tuesday, October 14, 2025</a:t>
+              <a:t>Monday, October 20, 2025</a:t>
             </a:fld>
             <a:endParaRPr lang="en-US"/>
           </a:p>
@@ -8066,7 +8290,7 @@
           <a:p>
             <a:fld id="{2B29163A-D4FD-4B13-B760-29FEA46D26A0}" type="datetime2">
               <a:rPr lang="en-US" smtClean="0"/>
-              <a:t>Tuesday, October 14, 2025</a:t>
+              <a:t>Monday, October 20, 2025</a:t>
             </a:fld>
             <a:endParaRPr lang="en-US"/>
           </a:p>
@@ -8476,7 +8700,7 @@
           <a:p>
             <a:fld id="{BF31E3F0-C597-454C-9C6A-C05C00896517}" type="datetime2">
               <a:rPr lang="en-US" smtClean="0"/>
-              <a:t>Tuesday, October 14, 2025</a:t>
+              <a:t>Monday, October 20, 2025</a:t>
             </a:fld>
             <a:endParaRPr lang="en-US"/>
           </a:p>
@@ -8886,7 +9110,7 @@
           <a:p>
             <a:fld id="{64C03E46-357C-41AA-B644-5D238512659D}" type="datetime2">
               <a:rPr lang="en-US" smtClean="0"/>
-              <a:t>Tuesday, October 14, 2025</a:t>
+              <a:t>Monday, October 20, 2025</a:t>
             </a:fld>
             <a:endParaRPr lang="en-US"/>
           </a:p>
@@ -9300,7 +9524,7 @@
           <a:p>
             <a:fld id="{F7317806-C1A4-4898-A392-58092F2DAC1E}" type="datetime2">
               <a:rPr lang="en-US" smtClean="0"/>
-              <a:t>Tuesday, October 14, 2025</a:t>
+              <a:t>Monday, October 20, 2025</a:t>
             </a:fld>
             <a:endParaRPr lang="en-US"/>
           </a:p>
@@ -9719,7 +9943,7 @@
           <a:p>
             <a:fld id="{5EBE550A-BFEE-40D6-A0EE-F4BD2148E98A}" type="datetime2">
               <a:rPr lang="en-US" smtClean="0"/>
-              <a:t>Tuesday, October 14, 2025</a:t>
+              <a:t>Monday, October 20, 2025</a:t>
             </a:fld>
             <a:endParaRPr lang="en-US"/>
           </a:p>
@@ -10149,7 +10373,7 @@
           <a:p>
             <a:fld id="{3F60DE63-5C97-4D17-AD5B-559BE78F8C6E}" type="datetime2">
               <a:rPr lang="en-US" smtClean="0"/>
-              <a:t>Tuesday, October 14, 2025</a:t>
+              <a:t>Monday, October 20, 2025</a:t>
             </a:fld>
             <a:endParaRPr lang="en-US"/>
           </a:p>
@@ -10827,7 +11051,7 @@
           <a:p>
             <a:fld id="{3D4AF38C-0923-462D-8E8F-DFB1FB3CD655}" type="datetime2">
               <a:rPr lang="en-US" smtClean="0"/>
-              <a:t>Tuesday, October 14, 2025</a:t>
+              <a:t>Monday, October 20, 2025</a:t>
             </a:fld>
             <a:endParaRPr lang="en-US"/>
           </a:p>
@@ -11243,7 +11467,7 @@
           <a:p>
             <a:fld id="{EC3B1CEA-5D85-42AB-95DF-BF2F02172CA4}" type="datetime2">
               <a:rPr lang="en-US" smtClean="0"/>
-              <a:t>Tuesday, October 14, 2025</a:t>
+              <a:t>Monday, October 20, 2025</a:t>
             </a:fld>
             <a:endParaRPr lang="en-US"/>
           </a:p>
@@ -11641,7 +11865,7 @@
           <a:p>
             <a:fld id="{CB5151AB-126F-4C4D-9C0D-9B9B07DC1CFA}" type="datetime2">
               <a:rPr lang="en-US" smtClean="0"/>
-              <a:t>Tuesday, October 14, 2025</a:t>
+              <a:t>Monday, October 20, 2025</a:t>
             </a:fld>
             <a:endParaRPr lang="en-US"/>
           </a:p>
@@ -12039,7 +12263,7 @@
           <a:p>
             <a:fld id="{C8EB0D61-5867-4B60-96C2-F34431D24F0C}" type="datetime2">
               <a:rPr lang="en-US" smtClean="0"/>
-              <a:t>Tuesday, October 14, 2025</a:t>
+              <a:t>Monday, October 20, 2025</a:t>
             </a:fld>
             <a:endParaRPr lang="en-US"/>
           </a:p>
@@ -12707,7 +12931,7 @@
           <a:p>
             <a:fld id="{774365B4-2BDD-42A8-8AD0-4FD66D3F5C4E}" type="datetime2">
               <a:rPr lang="en-US" smtClean="0"/>
-              <a:t>Tuesday, October 14, 2025</a:t>
+              <a:t>Monday, October 20, 2025</a:t>
             </a:fld>
             <a:endParaRPr lang="en-US" dirty="0"/>
           </a:p>
@@ -13379,7 +13603,7 @@
           <a:p>
             <a:fld id="{18042AE0-E8A0-4C07-BDCE-3F5EAB477031}" type="datetime2">
               <a:rPr lang="en-US" smtClean="0"/>
-              <a:t>Tuesday, October 14, 2025</a:t>
+              <a:t>Monday, October 20, 2025</a:t>
             </a:fld>
             <a:endParaRPr lang="en-US" dirty="0"/>
           </a:p>
@@ -13610,7 +13834,7 @@
           <a:p>
             <a:fld id="{118D1234-C791-4FA0-B7BF-3B97E1AFD349}" type="datetime2">
               <a:rPr lang="en-US" smtClean="0"/>
-              <a:t>Tuesday, October 14, 2025</a:t>
+              <a:t>Monday, October 20, 2025</a:t>
             </a:fld>
             <a:endParaRPr lang="en-US" dirty="0"/>
           </a:p>
@@ -14244,7 +14468,7 @@
           <a:p>
             <a:fld id="{D599FD6B-A98A-41CE-AE80-E9BFC922155F}" type="datetime2">
               <a:rPr lang="en-US" smtClean="0"/>
-              <a:t>Tuesday, October 14, 2025</a:t>
+              <a:t>Monday, October 20, 2025</a:t>
             </a:fld>
             <a:endParaRPr lang="en-US"/>
           </a:p>
@@ -14513,7 +14737,7 @@
           <a:p>
             <a:fld id="{E952A27B-DA16-4786-8944-4B1CF34905EE}" type="datetime2">
               <a:rPr lang="en-US" smtClean="0"/>
-              <a:t>Tuesday, October 14, 2025</a:t>
+              <a:t>Monday, October 20, 2025</a:t>
             </a:fld>
             <a:endParaRPr lang="en-US"/>
           </a:p>
@@ -15344,7 +15568,7 @@
           <a:p>
             <a:fld id="{9C5DA190-1DE0-42AE-81F7-BAE9BB470D89}" type="datetime2">
               <a:rPr lang="en-US" smtClean="0"/>
-              <a:t>Tuesday, October 14, 2025</a:t>
+              <a:t>Monday, October 20, 2025</a:t>
             </a:fld>
             <a:endParaRPr lang="en-US"/>
           </a:p>
@@ -15828,7 +16052,7 @@
           <a:p>
             <a:fld id="{2100A192-F923-4AB4-BDCC-6ACB26A0AAAE}" type="datetime2">
               <a:rPr lang="en-US" smtClean="0"/>
-              <a:t>Tuesday, October 14, 2025</a:t>
+              <a:t>Monday, October 20, 2025</a:t>
             </a:fld>
             <a:endParaRPr lang="en-US" dirty="0"/>
           </a:p>
@@ -16410,7 +16634,7 @@
           <a:p>
             <a:fld id="{5531B838-A2A1-4E5F-8CE5-ED5C785421C8}" type="datetime2">
               <a:rPr lang="en-US" smtClean="0"/>
-              <a:t>Tuesday, October 14, 2025</a:t>
+              <a:t>Monday, October 20, 2025</a:t>
             </a:fld>
             <a:endParaRPr lang="en-US"/>
           </a:p>
@@ -17061,7 +17285,7 @@
           <a:p>
             <a:fld id="{F3769460-8E62-40CA-83A8-CB830C3D7F18}" type="datetime2">
               <a:rPr lang="en-US" smtClean="0"/>
-              <a:t>Tuesday, October 14, 2025</a:t>
+              <a:t>Monday, October 20, 2025</a:t>
             </a:fld>
             <a:endParaRPr lang="en-US" dirty="0"/>
           </a:p>
@@ -17544,7 +17768,7 @@
           <a:p>
             <a:fld id="{4D9BF413-3F81-4C14-A195-E47B863670C3}" type="datetime2">
               <a:rPr lang="en-US" smtClean="0"/>
-              <a:t>Tuesday, October 14, 2025</a:t>
+              <a:t>Monday, October 20, 2025</a:t>
             </a:fld>
             <a:endParaRPr lang="en-US" dirty="0"/>
           </a:p>
@@ -17829,7 +18053,7 @@
           <a:p>
             <a:fld id="{53F1486C-F518-4593-A9F9-71F14C909BBB}" type="datetime2">
               <a:rPr lang="en-US" smtClean="0"/>
-              <a:t>Tuesday, October 14, 2025</a:t>
+              <a:t>Monday, October 20, 2025</a:t>
             </a:fld>
             <a:endParaRPr lang="en-US"/>
           </a:p>
@@ -18255,7 +18479,7 @@
           <a:p>
             <a:fld id="{E54DDA2C-4D95-4DB6-BF4A-4F688D05F62F}" type="datetime2">
               <a:rPr lang="en-US" smtClean="0"/>
-              <a:t>Tuesday, October 14, 2025</a:t>
+              <a:t>Monday, October 20, 2025</a:t>
             </a:fld>
             <a:endParaRPr lang="en-US"/>
           </a:p>
@@ -18405,7 +18629,7 @@
           <a:p>
             <a:fld id="{82AE4565-505C-457E-BFE9-7CA5ED3C51C4}" type="datetime2">
               <a:rPr lang="en-US" smtClean="0"/>
-              <a:t>Tuesday, October 14, 2025</a:t>
+              <a:t>Monday, October 20, 2025</a:t>
             </a:fld>
             <a:endParaRPr lang="en-US"/>
           </a:p>
@@ -18521,7 +18745,7 @@
           <a:p>
             <a:fld id="{E882EFDC-6A75-4D73-91E7-2ECC26E96D93}" type="datetime2">
               <a:rPr lang="en-US" smtClean="0"/>
-              <a:t>Tuesday, October 14, 2025</a:t>
+              <a:t>Monday, October 20, 2025</a:t>
             </a:fld>
             <a:endParaRPr lang="en-US"/>
           </a:p>
@@ -18831,7 +19055,7 @@
           <a:p>
             <a:fld id="{4B8D072B-0F30-4743-AD00-90BD7F92FC91}" type="datetime2">
               <a:rPr lang="en-US" smtClean="0"/>
-              <a:t>Tuesday, October 14, 2025</a:t>
+              <a:t>Monday, October 20, 2025</a:t>
             </a:fld>
             <a:endParaRPr lang="en-US"/>
           </a:p>
@@ -19105,7 +19329,7 @@
           <a:p>
             <a:fld id="{EF8FF1A8-4BF9-4B7D-9A44-0F91B76D49BD}" type="datetime2">
               <a:rPr lang="en-US" smtClean="0"/>
-              <a:t>Tuesday, October 14, 2025</a:t>
+              <a:t>Monday, October 20, 2025</a:t>
             </a:fld>
             <a:endParaRPr lang="en-US"/>
           </a:p>
@@ -19700,7 +19924,7 @@
           <a:p>
             <a:fld id="{CF7636FB-A6BA-4E3C-9023-5FBFE4689724}" type="datetime2">
               <a:rPr lang="en-US" smtClean="0"/>
-              <a:t>Tuesday, October 14, 2025</a:t>
+              <a:t>Monday, October 20, 2025</a:t>
             </a:fld>
             <a:endParaRPr lang="en-US"/>
           </a:p>
@@ -20309,7 +20533,7 @@
           <a:p>
             <a:fld id="{0BFE3FE3-B74C-4213-AB2F-60F99F3419C3}" type="datetime2">
               <a:rPr lang="en-US" smtClean="0"/>
-              <a:t>Tuesday, October 14, 2025</a:t>
+              <a:t>Monday, October 20, 2025</a:t>
             </a:fld>
             <a:endParaRPr lang="en-US"/>
           </a:p>
@@ -20952,7 +21176,7 @@
           <a:p>
             <a:fld id="{B369E90C-83BE-474F-8867-84D9D4BA9A64}" type="datetime2">
               <a:rPr lang="en-US" smtClean="0"/>
-              <a:t>Tuesday, October 14, 2025</a:t>
+              <a:t>Monday, October 20, 2025</a:t>
             </a:fld>
             <a:endParaRPr lang="en-US"/>
           </a:p>
@@ -21630,7 +21854,7 @@
           <a:p>
             <a:fld id="{C7B5CA67-94ED-4C14-9B73-CCE5A85B4E93}" type="datetime2">
               <a:rPr lang="en-US" smtClean="0"/>
-              <a:t>Tuesday, October 14, 2025</a:t>
+              <a:t>Monday, October 20, 2025</a:t>
             </a:fld>
             <a:endParaRPr lang="en-US"/>
           </a:p>
@@ -22209,7 +22433,7 @@
           <a:p>
             <a:fld id="{7723C116-3055-4F7F-9A49-EB260F9EF6F6}" type="datetime2">
               <a:rPr lang="en-US" smtClean="0"/>
-              <a:t>Tuesday, October 14, 2025</a:t>
+              <a:t>Monday, October 20, 2025</a:t>
             </a:fld>
             <a:endParaRPr lang="en-US"/>
           </a:p>
@@ -22800,7 +23024,7 @@
           <a:p>
             <a:fld id="{A6A5EF91-D53E-428D-B2CB-7C1F753E44DB}" type="datetime2">
               <a:rPr lang="en-US" smtClean="0"/>
-              <a:t>Tuesday, October 14, 2025</a:t>
+              <a:t>Monday, October 20, 2025</a:t>
             </a:fld>
             <a:endParaRPr lang="en-US"/>
           </a:p>
@@ -23423,7 +23647,7 @@
           <a:p>
             <a:fld id="{B4EA7F42-44CA-4E2D-BE54-54E50F1A95AA}" type="datetime2">
               <a:rPr lang="en-US" smtClean="0"/>
-              <a:t>Tuesday, October 14, 2025</a:t>
+              <a:t>Monday, October 20, 2025</a:t>
             </a:fld>
             <a:endParaRPr lang="en-US"/>
           </a:p>
@@ -23825,7 +24049,7 @@
           <a:p>
             <a:fld id="{39174FB3-ACF6-4A9B-9D1F-91EEB8A6966E}" type="datetime2">
               <a:rPr lang="en-US" smtClean="0"/>
-              <a:t>Tuesday, October 14, 2025</a:t>
+              <a:t>Monday, October 20, 2025</a:t>
             </a:fld>
             <a:endParaRPr lang="en-US"/>
           </a:p>
@@ -24628,7 +24852,7 @@
             <p:ph sz="quarter" idx="14"/>
             <p:extLst>
               <p:ext uri="{E7BDC344-281C-4309-B0C6-D0EE65EED2A8}">
-                <p202:designPr xmlns:p202="http://schemas.microsoft.com/office/powerpoint/2020/02/main" xmlns="">
+                <p202:designPr xmlns:p202="http://schemas.microsoft.com/office/powerpoint/2020/02/main">
                   <p202:designTagLst>
                     <p202:designTag name="ARCH:1:CLS" val="InformationBlock"/>
                     <p202:designTag name="ARCH:1:VSVAR" val="TitledTextBox"/>
@@ -24917,7 +25141,7 @@
           <p:nvPr>
             <p:extLst>
               <p:ext uri="{E7BDC344-281C-4309-B0C6-D0EE65EED2A8}">
-                <p202:designPr xmlns:p202="http://schemas.microsoft.com/office/powerpoint/2020/02/main" xmlns="">
+                <p202:designPr xmlns:p202="http://schemas.microsoft.com/office/powerpoint/2020/02/main">
                   <p202:designTagLst>
                     <p202:designTag name="ARCH:1:CLS" val="InformationBlock"/>
                     <p202:designTag name="ARCH:1:VSVAR" val="TitledTextBox"/>
@@ -25668,7 +25892,7 @@
             <p:ph sz="quarter" idx="14"/>
             <p:extLst>
               <p:ext uri="{E7BDC344-281C-4309-B0C6-D0EE65EED2A8}">
-                <p202:designPr xmlns:p202="http://schemas.microsoft.com/office/powerpoint/2020/02/main" xmlns="">
+                <p202:designPr xmlns:p202="http://schemas.microsoft.com/office/powerpoint/2020/02/main">
                   <p202:designTagLst>
                     <p202:designTag name="ARCH:1:CLS" val="InformationBlock"/>
                     <p202:designTag name="ARCH:1:VSVAR" val="TitledTextBox"/>
@@ -26085,7 +26309,7 @@
             <p:ph sz="quarter" idx="14"/>
             <p:extLst>
               <p:ext uri="{E7BDC344-281C-4309-B0C6-D0EE65EED2A8}">
-                <p202:designPr xmlns:p202="http://schemas.microsoft.com/office/powerpoint/2020/02/main" xmlns="">
+                <p202:designPr xmlns:p202="http://schemas.microsoft.com/office/powerpoint/2020/02/main">
                   <p202:designTagLst>
                     <p202:designTag name="ARCH:1:CLS" val="InformationBlock"/>
                     <p202:designTag name="ARCH:1:VSVAR" val="TitledTextBox"/>
@@ -26484,7 +26708,7 @@
             <p:ph sz="quarter" idx="14"/>
             <p:extLst>
               <p:ext uri="{E7BDC344-281C-4309-B0C6-D0EE65EED2A8}">
-                <p202:designPr xmlns:p202="http://schemas.microsoft.com/office/powerpoint/2020/02/main" xmlns="">
+                <p202:designPr xmlns:p202="http://schemas.microsoft.com/office/powerpoint/2020/02/main">
                   <p202:designTagLst>
                     <p202:designTag name="ARCH:1:CLS" val="InformationBlock"/>
                     <p202:designTag name="ARCH:1:VSVAR" val="TitledTextBox"/>
@@ -26850,7 +27074,7 @@
             <p:ph sz="quarter" idx="14"/>
             <p:extLst>
               <p:ext uri="{E7BDC344-281C-4309-B0C6-D0EE65EED2A8}">
-                <p202:designPr xmlns:p202="http://schemas.microsoft.com/office/powerpoint/2020/02/main" xmlns="">
+                <p202:designPr xmlns:p202="http://schemas.microsoft.com/office/powerpoint/2020/02/main">
                   <p202:designTagLst>
                     <p202:designTag name="ARCH:1:CLS" val="InformationBlock"/>
                     <p202:designTag name="ARCH:1:VSVAR" val="TitledTextBox"/>
@@ -27167,7 +27391,7 @@
             <p:ph sz="quarter" idx="14"/>
             <p:extLst>
               <p:ext uri="{E7BDC344-281C-4309-B0C6-D0EE65EED2A8}">
-                <p202:designPr xmlns:p202="http://schemas.microsoft.com/office/powerpoint/2020/02/main" xmlns="">
+                <p202:designPr xmlns:p202="http://schemas.microsoft.com/office/powerpoint/2020/02/main">
                   <p202:designTagLst>
                     <p202:designTag name="ARCH:1:CLS" val="InformationBlock"/>
                     <p202:designTag name="ARCH:1:VSVAR" val="TitledTextBox"/>
@@ -27538,7 +27762,7 @@
             <p:ph sz="quarter" idx="14"/>
             <p:extLst>
               <p:ext uri="{E7BDC344-281C-4309-B0C6-D0EE65EED2A8}">
-                <p202:designPr xmlns:p202="http://schemas.microsoft.com/office/powerpoint/2020/02/main" xmlns="">
+                <p202:designPr xmlns:p202="http://schemas.microsoft.com/office/powerpoint/2020/02/main">
                   <p202:designTagLst>
                     <p202:designTag name="ARCH:1:CLS" val="InformationBlock"/>
                     <p202:designTag name="ARCH:1:VSVAR" val="TitledTextBox"/>
@@ -27943,7 +28167,7 @@
             <p:ph sz="quarter" idx="14"/>
             <p:extLst>
               <p:ext uri="{E7BDC344-281C-4309-B0C6-D0EE65EED2A8}">
-                <p202:designPr xmlns:p202="http://schemas.microsoft.com/office/powerpoint/2020/02/main" xmlns="">
+                <p202:designPr xmlns:p202="http://schemas.microsoft.com/office/powerpoint/2020/02/main">
                   <p202:designTagLst>
                     <p202:designTag name="ARCH:1:CLS" val="InformationBlock"/>
                     <p202:designTag name="ARCH:1:VSVAR" val="TitledTextBox"/>
@@ -28812,26 +29036,6 @@
 </file>
 
 <file path=customXml/item1.xml><?xml version="1.0" encoding="utf-8"?>
-<p:properties xmlns:p="http://schemas.microsoft.com/office/2006/metadata/properties" xmlns:xsi="http://www.w3.org/2001/XMLSchema-instance" xmlns:pc="http://schemas.microsoft.com/office/infopath/2007/PartnerControls">
-  <documentManagement>
-    <_ip_UnifiedCompliancePolicyUIAction xmlns="http://schemas.microsoft.com/sharepoint/v3" xsi:nil="true"/>
-    <Image xmlns="71af3243-3dd4-4a8d-8c0d-dd76da1f02a5">
-      <Url xsi:nil="true"/>
-      <Description xsi:nil="true"/>
-    </Image>
-    <Status xmlns="71af3243-3dd4-4a8d-8c0d-dd76da1f02a5">Not started</Status>
-    <Background xmlns="71af3243-3dd4-4a8d-8c0d-dd76da1f02a5">false</Background>
-    <_ip_UnifiedCompliancePolicyProperties xmlns="http://schemas.microsoft.com/sharepoint/v3" xsi:nil="true"/>
-    <ImageTagsTaxHTField xmlns="71af3243-3dd4-4a8d-8c0d-dd76da1f02a5">
-      <Terms xmlns="http://schemas.microsoft.com/office/infopath/2007/PartnerControls"/>
-    </ImageTagsTaxHTField>
-    <TaxCatchAll xmlns="230e9df3-be65-4c73-a93b-d1236ebd677e" xsi:nil="true"/>
-    <MediaServiceKeyPoints xmlns="71af3243-3dd4-4a8d-8c0d-dd76da1f02a5" xsi:nil="true"/>
-  </documentManagement>
-</p:properties>
-</file>
-
-<file path=customXml/item2.xml><?xml version="1.0" encoding="utf-8"?>
 <ct:contentTypeSchema xmlns:ct="http://schemas.microsoft.com/office/2006/metadata/contentType" xmlns:ma="http://schemas.microsoft.com/office/2006/metadata/properties/metaAttributes" ct:_="" ma:_="" ma:contentTypeName="Document" ma:contentTypeID="0x01010079F111ED35F8CC479449609E8A0923A6" ma:contentTypeVersion="30" ma:contentTypeDescription="Create a new document." ma:contentTypeScope="" ma:versionID="cec0622158e8f13124e9e8fd4de31bd1">
   <xsd:schema xmlns:xsd="http://www.w3.org/2001/XMLSchema" xmlns:xs="http://www.w3.org/2001/XMLSchema" xmlns:p="http://schemas.microsoft.com/office/2006/metadata/properties" xmlns:ns1="http://schemas.microsoft.com/sharepoint/v3" xmlns:ns2="71af3243-3dd4-4a8d-8c0d-dd76da1f02a5" xmlns:ns3="16c05727-aa75-4e4a-9b5f-8a80a1165891" xmlns:ns4="230e9df3-be65-4c73-a93b-d1236ebd677e" targetNamespace="http://schemas.microsoft.com/office/2006/metadata/properties" ma:root="true" ma:fieldsID="3b52f30ab005d15df08657af532e6e38" ns1:_="" ns2:_="" ns3:_="" ns4:_="">
     <xsd:import namespace="http://schemas.microsoft.com/sharepoint/v3"/>
@@ -29149,7 +29353,7 @@
 </ct:contentTypeSchema>
 </file>
 
-<file path=customXml/item3.xml><?xml version="1.0" encoding="utf-8"?>
+<file path=customXml/item2.xml><?xml version="1.0" encoding="utf-8"?>
 <?mso-contentType ?>
 <FormTemplates xmlns="http://schemas.microsoft.com/sharepoint/v3/contenttype/forms">
   <Display>DocumentLibraryForm</Display>
@@ -29158,19 +29362,27 @@
 </FormTemplates>
 </file>
 
-<file path=customXml/itemProps1.xml><?xml version="1.0" encoding="utf-8"?>
-<ds:datastoreItem xmlns:ds="http://schemas.openxmlformats.org/officeDocument/2006/customXml" ds:itemID="{5604CAC9-4DB9-48D9-8A6F-3675D14127D6}">
-  <ds:schemaRefs>
-    <ds:schemaRef ds:uri="http://schemas.microsoft.com/office/2006/metadata/properties"/>
-    <ds:schemaRef ds:uri="http://schemas.microsoft.com/office/infopath/2007/PartnerControls"/>
-    <ds:schemaRef ds:uri="http://schemas.microsoft.com/sharepoint/v3"/>
-    <ds:schemaRef ds:uri="71af3243-3dd4-4a8d-8c0d-dd76da1f02a5"/>
-    <ds:schemaRef ds:uri="230e9df3-be65-4c73-a93b-d1236ebd677e"/>
-  </ds:schemaRefs>
-</ds:datastoreItem>
+<file path=customXml/item3.xml><?xml version="1.0" encoding="utf-8"?>
+<p:properties xmlns:p="http://schemas.microsoft.com/office/2006/metadata/properties" xmlns:xsi="http://www.w3.org/2001/XMLSchema-instance" xmlns:pc="http://schemas.microsoft.com/office/infopath/2007/PartnerControls">
+  <documentManagement>
+    <_ip_UnifiedCompliancePolicyUIAction xmlns="http://schemas.microsoft.com/sharepoint/v3" xsi:nil="true"/>
+    <Image xmlns="71af3243-3dd4-4a8d-8c0d-dd76da1f02a5">
+      <Url xsi:nil="true"/>
+      <Description xsi:nil="true"/>
+    </Image>
+    <Status xmlns="71af3243-3dd4-4a8d-8c0d-dd76da1f02a5">Not started</Status>
+    <Background xmlns="71af3243-3dd4-4a8d-8c0d-dd76da1f02a5">false</Background>
+    <_ip_UnifiedCompliancePolicyProperties xmlns="http://schemas.microsoft.com/sharepoint/v3" xsi:nil="true"/>
+    <ImageTagsTaxHTField xmlns="71af3243-3dd4-4a8d-8c0d-dd76da1f02a5">
+      <Terms xmlns="http://schemas.microsoft.com/office/infopath/2007/PartnerControls"/>
+    </ImageTagsTaxHTField>
+    <TaxCatchAll xmlns="230e9df3-be65-4c73-a93b-d1236ebd677e" xsi:nil="true"/>
+    <MediaServiceKeyPoints xmlns="71af3243-3dd4-4a8d-8c0d-dd76da1f02a5" xsi:nil="true"/>
+  </documentManagement>
+</p:properties>
 </file>
 
-<file path=customXml/itemProps2.xml><?xml version="1.0" encoding="utf-8"?>
+<file path=customXml/itemProps1.xml><?xml version="1.0" encoding="utf-8"?>
 <ds:datastoreItem xmlns:ds="http://schemas.openxmlformats.org/officeDocument/2006/customXml" ds:itemID="{5D279CDD-1FB7-427E-9208-ECF0EB941AD6}">
   <ds:schemaRefs>
     <ds:schemaRef ds:uri="http://schemas.microsoft.com/office/2006/metadata/contentType"/>
@@ -29191,7 +29403,7 @@
 </ds:datastoreItem>
 </file>
 
-<file path=customXml/itemProps3.xml><?xml version="1.0" encoding="utf-8"?>
+<file path=customXml/itemProps2.xml><?xml version="1.0" encoding="utf-8"?>
 <ds:datastoreItem xmlns:ds="http://schemas.openxmlformats.org/officeDocument/2006/customXml" ds:itemID="{1E753F6F-88D8-493D-A089-0923419088E5}">
   <ds:schemaRefs>
     <ds:schemaRef ds:uri="http://schemas.microsoft.com/sharepoint/v3/contenttype/forms"/>
@@ -29199,6 +29411,18 @@
 </ds:datastoreItem>
 </file>
 
+<file path=customXml/itemProps3.xml><?xml version="1.0" encoding="utf-8"?>
+<ds:datastoreItem xmlns:ds="http://schemas.openxmlformats.org/officeDocument/2006/customXml" ds:itemID="{5604CAC9-4DB9-48D9-8A6F-3675D14127D6}">
+  <ds:schemaRefs>
+    <ds:schemaRef ds:uri="http://schemas.microsoft.com/office/2006/metadata/properties"/>
+    <ds:schemaRef ds:uri="http://schemas.microsoft.com/office/infopath/2007/PartnerControls"/>
+    <ds:schemaRef ds:uri="http://schemas.microsoft.com/sharepoint/v3"/>
+    <ds:schemaRef ds:uri="71af3243-3dd4-4a8d-8c0d-dd76da1f02a5"/>
+    <ds:schemaRef ds:uri="230e9df3-be65-4c73-a93b-d1236ebd677e"/>
+  </ds:schemaRefs>
+</ds:datastoreItem>
+</file>
+
 <file path=docMetadata/LabelInfo.xml><?xml version="1.0" encoding="utf-8"?>
 <clbl:labelList xmlns:clbl="http://schemas.microsoft.com/office/2020/mipLabelMetadata"/>
 </file>